--- a/data/analysis/figures-paper/Figure_0.pptx
+++ b/data/analysis/figures-paper/Figure_0.pptx
@@ -7,7 +7,7 @@
   <p:sldIdLst>
     <p:sldId id="256" r:id="rId2"/>
   </p:sldIdLst>
-  <p:sldSz cx="9144000" cy="6858000" type="screen4x3"/>
+  <p:sldSz cx="6858000" cy="9906000" type="A4"/>
   <p:notesSz cx="6858000" cy="9144000"/>
   <p:defaultTextStyle>
     <a:defPPr>
@@ -136,8 +136,8 @@
         </p:nvSpPr>
         <p:spPr>
           <a:xfrm>
-            <a:off x="685800" y="2130425"/>
-            <a:ext cx="7772400" cy="1470025"/>
+            <a:off x="514350" y="3077283"/>
+            <a:ext cx="5829300" cy="2123369"/>
           </a:xfrm>
         </p:spPr>
         <p:txBody>
@@ -164,8 +164,8 @@
         </p:nvSpPr>
         <p:spPr>
           <a:xfrm>
-            <a:off x="1371600" y="3886200"/>
-            <a:ext cx="6400800" cy="1752600"/>
+            <a:off x="1028700" y="5613400"/>
+            <a:ext cx="4800600" cy="2531533"/>
           </a:xfrm>
         </p:spPr>
         <p:txBody>
@@ -288,7 +288,7 @@
           <a:p>
             <a:fld id="{C68504FE-92E1-4E3A-AF49-42C66B8DC171}" type="datetimeFigureOut">
               <a:rPr lang="en-US" smtClean="0"/>
-              <a:t>7/25/2013</a:t>
+              <a:t>8/19/2013</a:t>
             </a:fld>
             <a:endParaRPr lang="en-US"/>
           </a:p>
@@ -458,7 +458,7 @@
           <a:p>
             <a:fld id="{C68504FE-92E1-4E3A-AF49-42C66B8DC171}" type="datetimeFigureOut">
               <a:rPr lang="en-US" smtClean="0"/>
-              <a:t>7/25/2013</a:t>
+              <a:t>8/19/2013</a:t>
             </a:fld>
             <a:endParaRPr lang="en-US"/>
           </a:p>
@@ -548,8 +548,8 @@
         </p:nvSpPr>
         <p:spPr>
           <a:xfrm>
-            <a:off x="6629400" y="274638"/>
-            <a:ext cx="2057400" cy="5851525"/>
+            <a:off x="4972050" y="396701"/>
+            <a:ext cx="1543050" cy="8452203"/>
           </a:xfrm>
         </p:spPr>
         <p:txBody>
@@ -576,8 +576,8 @@
         </p:nvSpPr>
         <p:spPr>
           <a:xfrm>
-            <a:off x="457200" y="274638"/>
-            <a:ext cx="6019800" cy="5851525"/>
+            <a:off x="342900" y="396701"/>
+            <a:ext cx="4514850" cy="8452203"/>
           </a:xfrm>
         </p:spPr>
         <p:txBody>
@@ -638,7 +638,7 @@
           <a:p>
             <a:fld id="{C68504FE-92E1-4E3A-AF49-42C66B8DC171}" type="datetimeFigureOut">
               <a:rPr lang="en-US" smtClean="0"/>
-              <a:t>7/25/2013</a:t>
+              <a:t>8/19/2013</a:t>
             </a:fld>
             <a:endParaRPr lang="en-US"/>
           </a:p>
@@ -808,7 +808,7 @@
           <a:p>
             <a:fld id="{C68504FE-92E1-4E3A-AF49-42C66B8DC171}" type="datetimeFigureOut">
               <a:rPr lang="en-US" smtClean="0"/>
-              <a:t>7/25/2013</a:t>
+              <a:t>8/19/2013</a:t>
             </a:fld>
             <a:endParaRPr lang="en-US"/>
           </a:p>
@@ -898,8 +898,8 @@
         </p:nvSpPr>
         <p:spPr>
           <a:xfrm>
-            <a:off x="722313" y="4406900"/>
-            <a:ext cx="7772400" cy="1362075"/>
+            <a:off x="541735" y="6365524"/>
+            <a:ext cx="5829300" cy="1967442"/>
           </a:xfrm>
         </p:spPr>
         <p:txBody>
@@ -930,8 +930,8 @@
         </p:nvSpPr>
         <p:spPr>
           <a:xfrm>
-            <a:off x="722313" y="2906713"/>
-            <a:ext cx="7772400" cy="1500187"/>
+            <a:off x="541735" y="4198586"/>
+            <a:ext cx="5829300" cy="2166937"/>
           </a:xfrm>
         </p:spPr>
         <p:txBody>
@@ -1054,7 +1054,7 @@
           <a:p>
             <a:fld id="{C68504FE-92E1-4E3A-AF49-42C66B8DC171}" type="datetimeFigureOut">
               <a:rPr lang="en-US" smtClean="0"/>
-              <a:t>7/25/2013</a:t>
+              <a:t>8/19/2013</a:t>
             </a:fld>
             <a:endParaRPr lang="en-US"/>
           </a:p>
@@ -1167,8 +1167,8 @@
         </p:nvSpPr>
         <p:spPr>
           <a:xfrm>
-            <a:off x="457200" y="1600200"/>
-            <a:ext cx="4038600" cy="4525963"/>
+            <a:off x="342900" y="2311402"/>
+            <a:ext cx="3028950" cy="6537502"/>
           </a:xfrm>
         </p:spPr>
         <p:txBody>
@@ -1252,8 +1252,8 @@
         </p:nvSpPr>
         <p:spPr>
           <a:xfrm>
-            <a:off x="4648200" y="1600200"/>
-            <a:ext cx="4038600" cy="4525963"/>
+            <a:off x="3486150" y="2311402"/>
+            <a:ext cx="3028950" cy="6537502"/>
           </a:xfrm>
         </p:spPr>
         <p:txBody>
@@ -1342,7 +1342,7 @@
           <a:p>
             <a:fld id="{C68504FE-92E1-4E3A-AF49-42C66B8DC171}" type="datetimeFigureOut">
               <a:rPr lang="en-US" smtClean="0"/>
-              <a:t>7/25/2013</a:t>
+              <a:t>8/19/2013</a:t>
             </a:fld>
             <a:endParaRPr lang="en-US"/>
           </a:p>
@@ -1459,8 +1459,8 @@
         </p:nvSpPr>
         <p:spPr>
           <a:xfrm>
-            <a:off x="457200" y="1535113"/>
-            <a:ext cx="4040188" cy="639762"/>
+            <a:off x="342900" y="2217385"/>
+            <a:ext cx="3030141" cy="924101"/>
           </a:xfrm>
         </p:spPr>
         <p:txBody>
@@ -1524,8 +1524,8 @@
         </p:nvSpPr>
         <p:spPr>
           <a:xfrm>
-            <a:off x="457200" y="2174875"/>
-            <a:ext cx="4040188" cy="3951288"/>
+            <a:off x="342900" y="3141486"/>
+            <a:ext cx="3030141" cy="5707416"/>
           </a:xfrm>
         </p:spPr>
         <p:txBody>
@@ -1609,8 +1609,8 @@
         </p:nvSpPr>
         <p:spPr>
           <a:xfrm>
-            <a:off x="4645025" y="1535113"/>
-            <a:ext cx="4041775" cy="639762"/>
+            <a:off x="3483769" y="2217385"/>
+            <a:ext cx="3031332" cy="924101"/>
           </a:xfrm>
         </p:spPr>
         <p:txBody>
@@ -1674,8 +1674,8 @@
         </p:nvSpPr>
         <p:spPr>
           <a:xfrm>
-            <a:off x="4645025" y="2174875"/>
-            <a:ext cx="4041775" cy="3951288"/>
+            <a:off x="3483769" y="3141486"/>
+            <a:ext cx="3031332" cy="5707416"/>
           </a:xfrm>
         </p:spPr>
         <p:txBody>
@@ -1764,7 +1764,7 @@
           <a:p>
             <a:fld id="{C68504FE-92E1-4E3A-AF49-42C66B8DC171}" type="datetimeFigureOut">
               <a:rPr lang="en-US" smtClean="0"/>
-              <a:t>7/25/2013</a:t>
+              <a:t>8/19/2013</a:t>
             </a:fld>
             <a:endParaRPr lang="en-US"/>
           </a:p>
@@ -1882,7 +1882,7 @@
           <a:p>
             <a:fld id="{C68504FE-92E1-4E3A-AF49-42C66B8DC171}" type="datetimeFigureOut">
               <a:rPr lang="en-US" smtClean="0"/>
-              <a:t>7/25/2013</a:t>
+              <a:t>8/19/2013</a:t>
             </a:fld>
             <a:endParaRPr lang="en-US"/>
           </a:p>
@@ -1977,7 +1977,7 @@
           <a:p>
             <a:fld id="{C68504FE-92E1-4E3A-AF49-42C66B8DC171}" type="datetimeFigureOut">
               <a:rPr lang="en-US" smtClean="0"/>
-              <a:t>7/25/2013</a:t>
+              <a:t>8/19/2013</a:t>
             </a:fld>
             <a:endParaRPr lang="en-US"/>
           </a:p>
@@ -2067,8 +2067,8 @@
         </p:nvSpPr>
         <p:spPr>
           <a:xfrm>
-            <a:off x="457200" y="273050"/>
-            <a:ext cx="3008313" cy="1162050"/>
+            <a:off x="342900" y="394405"/>
+            <a:ext cx="2256235" cy="1678517"/>
           </a:xfrm>
         </p:spPr>
         <p:txBody>
@@ -2099,8 +2099,8 @@
         </p:nvSpPr>
         <p:spPr>
           <a:xfrm>
-            <a:off x="3575050" y="273050"/>
-            <a:ext cx="5111750" cy="5853113"/>
+            <a:off x="2681288" y="394408"/>
+            <a:ext cx="3833812" cy="8454497"/>
           </a:xfrm>
         </p:spPr>
         <p:txBody>
@@ -2184,8 +2184,8 @@
         </p:nvSpPr>
         <p:spPr>
           <a:xfrm>
-            <a:off x="457200" y="1435100"/>
-            <a:ext cx="3008313" cy="4691063"/>
+            <a:off x="342900" y="2072924"/>
+            <a:ext cx="2256235" cy="6775980"/>
           </a:xfrm>
         </p:spPr>
         <p:txBody>
@@ -2254,7 +2254,7 @@
           <a:p>
             <a:fld id="{C68504FE-92E1-4E3A-AF49-42C66B8DC171}" type="datetimeFigureOut">
               <a:rPr lang="en-US" smtClean="0"/>
-              <a:t>7/25/2013</a:t>
+              <a:t>8/19/2013</a:t>
             </a:fld>
             <a:endParaRPr lang="en-US"/>
           </a:p>
@@ -2344,8 +2344,8 @@
         </p:nvSpPr>
         <p:spPr>
           <a:xfrm>
-            <a:off x="1792288" y="4800600"/>
-            <a:ext cx="5486400" cy="566738"/>
+            <a:off x="1344216" y="6934200"/>
+            <a:ext cx="4114800" cy="818622"/>
           </a:xfrm>
         </p:spPr>
         <p:txBody>
@@ -2376,8 +2376,8 @@
         </p:nvSpPr>
         <p:spPr>
           <a:xfrm>
-            <a:off x="1792288" y="612775"/>
-            <a:ext cx="5486400" cy="4114800"/>
+            <a:off x="1344216" y="885119"/>
+            <a:ext cx="4114800" cy="5943600"/>
           </a:xfrm>
         </p:spPr>
         <p:txBody>
@@ -2437,8 +2437,8 @@
         </p:nvSpPr>
         <p:spPr>
           <a:xfrm>
-            <a:off x="1792288" y="5367338"/>
-            <a:ext cx="5486400" cy="804862"/>
+            <a:off x="1344216" y="7752822"/>
+            <a:ext cx="4114800" cy="1162578"/>
           </a:xfrm>
         </p:spPr>
         <p:txBody>
@@ -2507,7 +2507,7 @@
           <a:p>
             <a:fld id="{C68504FE-92E1-4E3A-AF49-42C66B8DC171}" type="datetimeFigureOut">
               <a:rPr lang="en-US" smtClean="0"/>
-              <a:t>7/25/2013</a:t>
+              <a:t>8/19/2013</a:t>
             </a:fld>
             <a:endParaRPr lang="en-US"/>
           </a:p>
@@ -2602,8 +2602,8 @@
         </p:nvSpPr>
         <p:spPr>
           <a:xfrm>
-            <a:off x="457200" y="274638"/>
-            <a:ext cx="8229600" cy="1143000"/>
+            <a:off x="342900" y="396699"/>
+            <a:ext cx="6172200" cy="1651000"/>
           </a:xfrm>
           <a:prstGeom prst="rect">
             <a:avLst/>
@@ -2635,8 +2635,8 @@
         </p:nvSpPr>
         <p:spPr>
           <a:xfrm>
-            <a:off x="457200" y="1600200"/>
-            <a:ext cx="8229600" cy="4525963"/>
+            <a:off x="342900" y="2311402"/>
+            <a:ext cx="6172200" cy="6537502"/>
           </a:xfrm>
           <a:prstGeom prst="rect">
             <a:avLst/>
@@ -2697,8 +2697,8 @@
         </p:nvSpPr>
         <p:spPr>
           <a:xfrm>
-            <a:off x="457200" y="6356350"/>
-            <a:ext cx="2133600" cy="365125"/>
+            <a:off x="342900" y="9181397"/>
+            <a:ext cx="1600200" cy="527403"/>
           </a:xfrm>
           <a:prstGeom prst="rect">
             <a:avLst/>
@@ -2720,7 +2720,7 @@
           <a:p>
             <a:fld id="{C68504FE-92E1-4E3A-AF49-42C66B8DC171}" type="datetimeFigureOut">
               <a:rPr lang="en-US" smtClean="0"/>
-              <a:t>7/25/2013</a:t>
+              <a:t>8/19/2013</a:t>
             </a:fld>
             <a:endParaRPr lang="en-US"/>
           </a:p>
@@ -2738,8 +2738,8 @@
         </p:nvSpPr>
         <p:spPr>
           <a:xfrm>
-            <a:off x="3124200" y="6356350"/>
-            <a:ext cx="2895600" cy="365125"/>
+            <a:off x="2343150" y="9181397"/>
+            <a:ext cx="2171700" cy="527403"/>
           </a:xfrm>
           <a:prstGeom prst="rect">
             <a:avLst/>
@@ -2775,8 +2775,8 @@
         </p:nvSpPr>
         <p:spPr>
           <a:xfrm>
-            <a:off x="6553200" y="6356350"/>
-            <a:ext cx="2133600" cy="365125"/>
+            <a:off x="4914900" y="9181397"/>
+            <a:ext cx="1600200" cy="527403"/>
           </a:xfrm>
           <a:prstGeom prst="rect">
             <a:avLst/>
@@ -3097,14 +3097,63 @@
       </p:grpSpPr>
       <p:sp>
         <p:nvSpPr>
+          <p:cNvPr id="42" name="Rounded Rectangle 41"/>
+          <p:cNvSpPr/>
+          <p:nvPr/>
+        </p:nvSpPr>
+        <p:spPr>
+          <a:xfrm>
+            <a:off x="1644620" y="110066"/>
+            <a:ext cx="4146580" cy="1032934"/>
+          </a:xfrm>
+          <a:prstGeom prst="roundRect">
+            <a:avLst/>
+          </a:prstGeom>
+          <a:solidFill>
+            <a:schemeClr val="bg1">
+              <a:lumMod val="65000"/>
+            </a:schemeClr>
+          </a:solidFill>
+          <a:ln>
+            <a:noFill/>
+          </a:ln>
+        </p:spPr>
+        <p:style>
+          <a:lnRef idx="2">
+            <a:schemeClr val="dk1"/>
+          </a:lnRef>
+          <a:fillRef idx="1">
+            <a:schemeClr val="lt1"/>
+          </a:fillRef>
+          <a:effectRef idx="0">
+            <a:schemeClr val="dk1"/>
+          </a:effectRef>
+          <a:fontRef idx="minor">
+            <a:schemeClr val="dk1"/>
+          </a:fontRef>
+        </p:style>
+        <p:txBody>
+          <a:bodyPr rtlCol="0" anchor="ctr"/>
+          <a:lstStyle/>
+          <a:p>
+            <a:pPr algn="ctr"/>
+            <a:endParaRPr lang="en-US" sz="1000" dirty="0" smtClean="0">
+              <a:latin typeface="Times New Roman" pitchFamily="18" charset="0"/>
+              <a:cs typeface="Times New Roman" pitchFamily="18" charset="0"/>
+            </a:endParaRPr>
+          </a:p>
+        </p:txBody>
+      </p:sp>
+      <p:sp>
+        <p:nvSpPr>
           <p:cNvPr id="53" name="Rectangle 52"/>
           <p:cNvSpPr/>
           <p:nvPr/>
         </p:nvSpPr>
         <p:spPr>
           <a:xfrm>
-            <a:off x="3810000" y="1219200"/>
-            <a:ext cx="3733800" cy="1219200"/>
+            <a:off x="2705100" y="1379052"/>
+            <a:ext cx="3067406" cy="1059348"/>
           </a:xfrm>
           <a:prstGeom prst="rect">
             <a:avLst/>
@@ -3141,7 +3190,10 @@
           <a:lstStyle/>
           <a:p>
             <a:pPr algn="ctr"/>
-            <a:endParaRPr lang="en-US"/>
+            <a:endParaRPr lang="en-US">
+              <a:latin typeface="Times New Roman" pitchFamily="18" charset="0"/>
+              <a:cs typeface="Times New Roman" pitchFamily="18" charset="0"/>
+            </a:endParaRPr>
           </a:p>
         </p:txBody>
       </p:sp>
@@ -3153,15 +3205,14 @@
         </p:nvSpPr>
         <p:spPr>
           <a:xfrm>
-            <a:off x="1828800" y="1295400"/>
-            <a:ext cx="3352800" cy="1295400"/>
+            <a:off x="1447800" y="1277422"/>
+            <a:ext cx="2514600" cy="1043555"/>
           </a:xfrm>
           <a:prstGeom prst="rect">
             <a:avLst/>
           </a:prstGeom>
           <a:solidFill>
-            <a:schemeClr val="accent6">
-              <a:lumMod val="75000"/>
+            <a:schemeClr val="accent2">
               <a:alpha val="50196"/>
             </a:schemeClr>
           </a:solidFill>
@@ -3191,7 +3242,10 @@
           <a:lstStyle/>
           <a:p>
             <a:pPr algn="ctr"/>
-            <a:endParaRPr lang="en-US"/>
+            <a:endParaRPr lang="en-US">
+              <a:latin typeface="Times New Roman" pitchFamily="18" charset="0"/>
+              <a:cs typeface="Times New Roman" pitchFamily="18" charset="0"/>
+            </a:endParaRPr>
           </a:p>
         </p:txBody>
       </p:sp>
@@ -3203,12 +3257,13 @@
         </p:nvSpPr>
         <p:spPr>
           <a:xfrm>
-            <a:off x="1524000" y="381000"/>
-            <a:ext cx="304800" cy="369332"/>
+            <a:off x="1295400" y="502734"/>
+            <a:ext cx="228600" cy="369332"/>
           </a:xfrm>
           <a:prstGeom prst="rect">
             <a:avLst/>
           </a:prstGeom>
+          <a:noFill/>
           <a:ln>
             <a:noFill/>
           </a:ln>
@@ -3235,14 +3290,14 @@
           <a:p>
             <a:r>
               <a:rPr lang="en-US" dirty="0" smtClean="0">
-                <a:latin typeface="Arial" pitchFamily="34" charset="0"/>
-                <a:cs typeface="Arial" pitchFamily="34" charset="0"/>
+                <a:latin typeface="Times New Roman" pitchFamily="18" charset="0"/>
+                <a:cs typeface="Times New Roman" pitchFamily="18" charset="0"/>
               </a:rPr>
               <a:t>=</a:t>
             </a:r>
             <a:endParaRPr lang="en-US" dirty="0">
-              <a:latin typeface="Arial" pitchFamily="34" charset="0"/>
-              <a:cs typeface="Arial" pitchFamily="34" charset="0"/>
+              <a:latin typeface="Times New Roman" pitchFamily="18" charset="0"/>
+              <a:cs typeface="Times New Roman" pitchFamily="18" charset="0"/>
             </a:endParaRPr>
           </a:p>
         </p:txBody>
@@ -3255,8 +3310,8 @@
         </p:nvSpPr>
         <p:spPr>
           <a:xfrm>
-            <a:off x="7620000" y="62527"/>
-            <a:ext cx="228600" cy="1024354"/>
+            <a:off x="5848350" y="110069"/>
+            <a:ext cx="171450" cy="1032932"/>
           </a:xfrm>
           <a:prstGeom prst="rightBrace">
             <a:avLst/>
@@ -3281,7 +3336,10 @@
           <a:lstStyle/>
           <a:p>
             <a:pPr algn="ctr"/>
-            <a:endParaRPr lang="en-US"/>
+            <a:endParaRPr lang="en-US">
+              <a:latin typeface="Times New Roman" pitchFamily="18" charset="0"/>
+              <a:cs typeface="Times New Roman" pitchFamily="18" charset="0"/>
+            </a:endParaRPr>
           </a:p>
         </p:txBody>
       </p:sp>
@@ -3293,8 +3351,8 @@
         </p:nvSpPr>
         <p:spPr>
           <a:xfrm>
-            <a:off x="7696200" y="381000"/>
-            <a:ext cx="1371600" cy="646331"/>
+            <a:off x="5905500" y="381000"/>
+            <a:ext cx="1028700" cy="553998"/>
           </a:xfrm>
           <a:prstGeom prst="rect">
             <a:avLst/>
@@ -3309,15 +3367,15 @@
           <a:p>
             <a:pPr algn="ctr"/>
             <a:r>
-              <a:rPr lang="en-US" sz="1200" dirty="0" smtClean="0">
-                <a:latin typeface="Arial" pitchFamily="34" charset="0"/>
-                <a:cs typeface="Arial" pitchFamily="34" charset="0"/>
+              <a:rPr lang="en-US" sz="1000" dirty="0" smtClean="0">
+                <a:latin typeface="Times New Roman" pitchFamily="18" charset="0"/>
+                <a:cs typeface="Times New Roman" pitchFamily="18" charset="0"/>
               </a:rPr>
-              <a:t>1) FTC categories and equivalences</a:t>
-            </a:r>
-            <a:endParaRPr lang="en-US" sz="1200" dirty="0">
-              <a:latin typeface="Arial" pitchFamily="34" charset="0"/>
-              <a:cs typeface="Arial" pitchFamily="34" charset="0"/>
+              <a:t>FTC categories and equivalences</a:t>
+            </a:r>
+            <a:endParaRPr lang="en-US" sz="1000" dirty="0">
+              <a:latin typeface="Times New Roman" pitchFamily="18" charset="0"/>
+              <a:cs typeface="Times New Roman" pitchFamily="18" charset="0"/>
             </a:endParaRPr>
           </a:p>
         </p:txBody>
@@ -3330,8 +3388,8 @@
         </p:nvSpPr>
         <p:spPr>
           <a:xfrm>
-            <a:off x="7620000" y="1219200"/>
-            <a:ext cx="228600" cy="1024354"/>
+            <a:off x="5848350" y="1358982"/>
+            <a:ext cx="171450" cy="1212373"/>
           </a:xfrm>
           <a:prstGeom prst="rightBrace">
             <a:avLst/>
@@ -3356,7 +3414,10 @@
           <a:lstStyle/>
           <a:p>
             <a:pPr algn="ctr"/>
-            <a:endParaRPr lang="en-US"/>
+            <a:endParaRPr lang="en-US">
+              <a:latin typeface="Times New Roman" pitchFamily="18" charset="0"/>
+              <a:cs typeface="Times New Roman" pitchFamily="18" charset="0"/>
+            </a:endParaRPr>
           </a:p>
         </p:txBody>
       </p:sp>
@@ -3368,8 +3429,8 @@
         </p:nvSpPr>
         <p:spPr>
           <a:xfrm>
-            <a:off x="7772400" y="1447800"/>
-            <a:ext cx="1317477" cy="646331"/>
+            <a:off x="5946092" y="1524000"/>
+            <a:ext cx="988108" cy="553998"/>
           </a:xfrm>
           <a:prstGeom prst="rect">
             <a:avLst/>
@@ -3384,22 +3445,15 @@
           <a:p>
             <a:pPr algn="ctr"/>
             <a:r>
-              <a:rPr lang="en-US" sz="1200" dirty="0">
-                <a:latin typeface="Arial" pitchFamily="34" charset="0"/>
-                <a:cs typeface="Arial" pitchFamily="34" charset="0"/>
+              <a:rPr lang="en-US" sz="1000" dirty="0" smtClean="0">
+                <a:latin typeface="Times New Roman" pitchFamily="18" charset="0"/>
+                <a:cs typeface="Times New Roman" pitchFamily="18" charset="0"/>
               </a:rPr>
-              <a:t>2</a:t>
-            </a:r>
-            <a:r>
-              <a:rPr lang="en-US" sz="1200" dirty="0" smtClean="0">
-                <a:latin typeface="Arial" pitchFamily="34" charset="0"/>
-                <a:cs typeface="Arial" pitchFamily="34" charset="0"/>
-              </a:rPr>
-              <a:t>) Population of FTC categories with data</a:t>
-            </a:r>
-            <a:endParaRPr lang="en-US" sz="1200" dirty="0">
-              <a:latin typeface="Arial" pitchFamily="34" charset="0"/>
-              <a:cs typeface="Arial" pitchFamily="34" charset="0"/>
+              <a:t>Population of FTC categories with data</a:t>
+            </a:r>
+            <a:endParaRPr lang="en-US" sz="1000" dirty="0">
+              <a:latin typeface="Times New Roman" pitchFamily="18" charset="0"/>
+              <a:cs typeface="Times New Roman" pitchFamily="18" charset="0"/>
             </a:endParaRPr>
           </a:p>
         </p:txBody>
@@ -3412,8 +3466,8 @@
         </p:nvSpPr>
         <p:spPr>
           <a:xfrm>
-            <a:off x="76200" y="228600"/>
-            <a:ext cx="1447800" cy="685800"/>
+            <a:off x="127030" y="414866"/>
+            <a:ext cx="1168370" cy="643354"/>
           </a:xfrm>
           <a:prstGeom prst="roundRect">
             <a:avLst/>
@@ -3439,9 +3493,9 @@
           <a:p>
             <a:pPr algn="ctr"/>
             <a:r>
-              <a:rPr lang="en-US" sz="1200" b="1" dirty="0" smtClean="0">
-                <a:latin typeface="Arial" pitchFamily="34" charset="0"/>
-                <a:cs typeface="Arial" pitchFamily="34" charset="0"/>
+              <a:rPr lang="en-US" sz="1000" b="1" dirty="0" smtClean="0">
+                <a:latin typeface="Times New Roman" pitchFamily="18" charset="0"/>
+                <a:cs typeface="Times New Roman" pitchFamily="18" charset="0"/>
               </a:rPr>
               <a:t>FTC_A0007596</a:t>
             </a:r>
@@ -3449,15 +3503,15 @@
           <a:p>
             <a:pPr algn="ctr"/>
             <a:r>
-              <a:rPr lang="en-US" sz="1200" dirty="0" smtClean="0">
-                <a:latin typeface="Arial" pitchFamily="34" charset="0"/>
-                <a:cs typeface="Arial" pitchFamily="34" charset="0"/>
+              <a:rPr lang="en-US" sz="1000" dirty="0" smtClean="0">
+                <a:latin typeface="Times New Roman" pitchFamily="18" charset="0"/>
+                <a:cs typeface="Times New Roman" pitchFamily="18" charset="0"/>
               </a:rPr>
               <a:t>Anti-blood coagulation agent</a:t>
             </a:r>
-            <a:endParaRPr lang="en-US" sz="1200" dirty="0">
-              <a:latin typeface="Arial" pitchFamily="34" charset="0"/>
-              <a:cs typeface="Arial" pitchFamily="34" charset="0"/>
+            <a:endParaRPr lang="en-US" sz="1000" dirty="0">
+              <a:latin typeface="Times New Roman" pitchFamily="18" charset="0"/>
+              <a:cs typeface="Times New Roman" pitchFamily="18" charset="0"/>
             </a:endParaRPr>
           </a:p>
         </p:txBody>
@@ -3470,8 +3524,8 @@
         </p:nvSpPr>
         <p:spPr>
           <a:xfrm>
-            <a:off x="1905000" y="1388477"/>
-            <a:ext cx="1219200" cy="685800"/>
+            <a:off x="1524001" y="1474666"/>
+            <a:ext cx="952499" cy="588636"/>
           </a:xfrm>
           <a:prstGeom prst="roundRect">
             <a:avLst/>
@@ -3497,9 +3551,9 @@
           <a:p>
             <a:pPr algn="ctr"/>
             <a:r>
-              <a:rPr lang="en-US" sz="1200" b="1" dirty="0" smtClean="0">
-                <a:latin typeface="Arial" pitchFamily="34" charset="0"/>
-                <a:cs typeface="Arial" pitchFamily="34" charset="0"/>
+              <a:rPr lang="en-US" sz="1000" b="1" dirty="0" smtClean="0">
+                <a:latin typeface="Times New Roman" pitchFamily="18" charset="0"/>
+                <a:cs typeface="Times New Roman" pitchFamily="18" charset="0"/>
               </a:rPr>
               <a:t>DB04898</a:t>
             </a:r>
@@ -3507,15 +3561,15 @@
           <a:p>
             <a:pPr algn="ctr"/>
             <a:r>
-              <a:rPr lang="en-US" sz="1200" dirty="0" err="1" smtClean="0">
-                <a:latin typeface="Arial" pitchFamily="34" charset="0"/>
-                <a:cs typeface="Arial" pitchFamily="34" charset="0"/>
+              <a:rPr lang="en-US" sz="1000" dirty="0" err="1" smtClean="0">
+                <a:latin typeface="Times New Roman" pitchFamily="18" charset="0"/>
+                <a:cs typeface="Times New Roman" pitchFamily="18" charset="0"/>
               </a:rPr>
               <a:t>Ximelagatran</a:t>
             </a:r>
-            <a:endParaRPr lang="en-US" sz="1200" dirty="0">
-              <a:latin typeface="Arial" pitchFamily="34" charset="0"/>
-              <a:cs typeface="Arial" pitchFamily="34" charset="0"/>
+            <a:endParaRPr lang="en-US" sz="1000" dirty="0">
+              <a:latin typeface="Times New Roman" pitchFamily="18" charset="0"/>
+              <a:cs typeface="Times New Roman" pitchFamily="18" charset="0"/>
             </a:endParaRPr>
           </a:p>
         </p:txBody>
@@ -3528,8 +3582,8 @@
         </p:nvSpPr>
         <p:spPr>
           <a:xfrm>
-            <a:off x="3886200" y="1388476"/>
-            <a:ext cx="1143000" cy="685801"/>
+            <a:off x="2971802" y="1461079"/>
+            <a:ext cx="897486" cy="633802"/>
           </a:xfrm>
           <a:prstGeom prst="roundRect">
             <a:avLst/>
@@ -3555,29 +3609,25 @@
           <a:p>
             <a:pPr algn="ctr"/>
             <a:r>
-              <a:rPr lang="en-US" sz="1200" b="1" dirty="0" smtClean="0">
-                <a:latin typeface="Arial" pitchFamily="34" charset="0"/>
-                <a:cs typeface="Arial" pitchFamily="34" charset="0"/>
+              <a:rPr lang="en-US" sz="1000" b="1" dirty="0" smtClean="0">
+                <a:latin typeface="Times New Roman" pitchFamily="18" charset="0"/>
+                <a:cs typeface="Times New Roman" pitchFamily="18" charset="0"/>
               </a:rPr>
               <a:t>P00734</a:t>
             </a:r>
-            <a:endParaRPr lang="en-US" sz="1200" b="1" dirty="0" smtClean="0">
-              <a:latin typeface="Arial" pitchFamily="34" charset="0"/>
-              <a:cs typeface="Arial" pitchFamily="34" charset="0"/>
-            </a:endParaRPr>
           </a:p>
           <a:p>
             <a:pPr algn="ctr"/>
             <a:r>
-              <a:rPr lang="en-US" sz="1200" dirty="0" err="1" smtClean="0">
-                <a:latin typeface="Arial" pitchFamily="34" charset="0"/>
-                <a:cs typeface="Arial" pitchFamily="34" charset="0"/>
+              <a:rPr lang="en-US" sz="1000" dirty="0" err="1" smtClean="0">
+                <a:latin typeface="Times New Roman" pitchFamily="18" charset="0"/>
+                <a:cs typeface="Times New Roman" pitchFamily="18" charset="0"/>
               </a:rPr>
               <a:t>Prothrombin</a:t>
             </a:r>
-            <a:endParaRPr lang="en-US" sz="1200" dirty="0" smtClean="0">
-              <a:latin typeface="Arial" pitchFamily="34" charset="0"/>
-              <a:cs typeface="Arial" pitchFamily="34" charset="0"/>
+            <a:endParaRPr lang="en-US" sz="1000" dirty="0" smtClean="0">
+              <a:latin typeface="Times New Roman" pitchFamily="18" charset="0"/>
+              <a:cs typeface="Times New Roman" pitchFamily="18" charset="0"/>
             </a:endParaRPr>
           </a:p>
         </p:txBody>
@@ -3590,8 +3640,8 @@
         </p:nvSpPr>
         <p:spPr>
           <a:xfrm>
-            <a:off x="5791200" y="1394885"/>
-            <a:ext cx="1676400" cy="679392"/>
+            <a:off x="4343400" y="1449602"/>
+            <a:ext cx="1371600" cy="645279"/>
           </a:xfrm>
           <a:prstGeom prst="roundRect">
             <a:avLst/>
@@ -3617,9 +3667,9 @@
           <a:p>
             <a:pPr algn="ctr"/>
             <a:r>
-              <a:rPr lang="en-US" sz="1200" b="1" dirty="0" smtClean="0">
-                <a:latin typeface="Arial" pitchFamily="34" charset="0"/>
-                <a:cs typeface="Arial" pitchFamily="34" charset="0"/>
+              <a:rPr lang="en-US" sz="1000" b="1" dirty="0" smtClean="0">
+                <a:latin typeface="Times New Roman" pitchFamily="18" charset="0"/>
+                <a:cs typeface="Times New Roman" pitchFamily="18" charset="0"/>
               </a:rPr>
               <a:t>GO_0030194</a:t>
             </a:r>
@@ -3627,15 +3677,15 @@
           <a:p>
             <a:pPr algn="ctr"/>
             <a:r>
-              <a:rPr lang="en-US" sz="1200" dirty="0" smtClean="0">
-                <a:latin typeface="Arial" pitchFamily="34" charset="0"/>
-                <a:cs typeface="Arial" pitchFamily="34" charset="0"/>
+              <a:rPr lang="en-US" sz="1000" dirty="0" smtClean="0">
+                <a:latin typeface="Times New Roman" pitchFamily="18" charset="0"/>
+                <a:cs typeface="Times New Roman" pitchFamily="18" charset="0"/>
               </a:rPr>
               <a:t>positive regulation of blood coagulation</a:t>
             </a:r>
-            <a:endParaRPr lang="en-US" sz="1200" dirty="0">
-              <a:latin typeface="Arial" pitchFamily="34" charset="0"/>
-              <a:cs typeface="Arial" pitchFamily="34" charset="0"/>
+            <a:endParaRPr lang="en-US" sz="1000" dirty="0">
+              <a:latin typeface="Times New Roman" pitchFamily="18" charset="0"/>
+              <a:cs typeface="Times New Roman" pitchFamily="18" charset="0"/>
             </a:endParaRPr>
           </a:p>
         </p:txBody>
@@ -3648,8 +3698,8 @@
         </p:nvCxnSpPr>
         <p:spPr>
           <a:xfrm>
-            <a:off x="3200400" y="1725543"/>
-            <a:ext cx="609600" cy="0"/>
+            <a:off x="2514600" y="1828800"/>
+            <a:ext cx="457200" cy="0"/>
           </a:xfrm>
           <a:prstGeom prst="straightConnector1">
             <a:avLst/>
@@ -3681,8 +3731,8 @@
         </p:nvCxnSpPr>
         <p:spPr>
           <a:xfrm>
-            <a:off x="5105400" y="1725543"/>
-            <a:ext cx="609600" cy="0"/>
+            <a:off x="3886200" y="1828800"/>
+            <a:ext cx="457200" cy="0"/>
           </a:xfrm>
           <a:prstGeom prst="straightConnector1">
             <a:avLst/>
@@ -3714,8 +3764,8 @@
         </p:nvSpPr>
         <p:spPr>
           <a:xfrm>
-            <a:off x="3048000" y="1354723"/>
-            <a:ext cx="838200" cy="338554"/>
+            <a:off x="2419350" y="1430430"/>
+            <a:ext cx="628650" cy="338554"/>
           </a:xfrm>
           <a:prstGeom prst="rect">
             <a:avLst/>
@@ -3731,14 +3781,14 @@
             <a:pPr algn="ctr"/>
             <a:r>
               <a:rPr lang="en-US" sz="800" dirty="0" smtClean="0">
-                <a:latin typeface="Arial" pitchFamily="34" charset="0"/>
-                <a:cs typeface="Arial" pitchFamily="34" charset="0"/>
+                <a:latin typeface="Times New Roman" pitchFamily="18" charset="0"/>
+                <a:cs typeface="Times New Roman" pitchFamily="18" charset="0"/>
               </a:rPr>
               <a:t>negatively-perturbs</a:t>
             </a:r>
             <a:endParaRPr lang="en-US" sz="800" dirty="0">
-              <a:latin typeface="Arial" pitchFamily="34" charset="0"/>
-              <a:cs typeface="Arial" pitchFamily="34" charset="0"/>
+              <a:latin typeface="Times New Roman" pitchFamily="18" charset="0"/>
+              <a:cs typeface="Times New Roman" pitchFamily="18" charset="0"/>
             </a:endParaRPr>
           </a:p>
         </p:txBody>
@@ -3751,8 +3801,8 @@
         </p:nvSpPr>
         <p:spPr>
           <a:xfrm>
-            <a:off x="5029200" y="1401633"/>
-            <a:ext cx="838200" cy="215444"/>
+            <a:off x="3810000" y="1483824"/>
+            <a:ext cx="607314" cy="338554"/>
           </a:xfrm>
           <a:prstGeom prst="rect">
             <a:avLst/>
@@ -3768,14 +3818,14 @@
             <a:pPr algn="ctr"/>
             <a:r>
               <a:rPr lang="en-US" sz="800" dirty="0" smtClean="0">
-                <a:latin typeface="Arial" pitchFamily="34" charset="0"/>
-                <a:cs typeface="Arial" pitchFamily="34" charset="0"/>
+                <a:latin typeface="Times New Roman" pitchFamily="18" charset="0"/>
+                <a:cs typeface="Times New Roman" pitchFamily="18" charset="0"/>
               </a:rPr>
               <a:t>involved-in</a:t>
             </a:r>
             <a:endParaRPr lang="en-US" sz="800" dirty="0">
-              <a:latin typeface="Arial" pitchFamily="34" charset="0"/>
-              <a:cs typeface="Arial" pitchFamily="34" charset="0"/>
+              <a:latin typeface="Times New Roman" pitchFamily="18" charset="0"/>
+              <a:cs typeface="Times New Roman" pitchFamily="18" charset="0"/>
             </a:endParaRPr>
           </a:p>
         </p:txBody>
@@ -3788,8 +3838,8 @@
         </p:nvSpPr>
         <p:spPr>
           <a:xfrm>
-            <a:off x="1905000" y="222766"/>
-            <a:ext cx="1219200" cy="685800"/>
+            <a:off x="1733550" y="425402"/>
+            <a:ext cx="742950" cy="641398"/>
           </a:xfrm>
           <a:prstGeom prst="roundRect">
             <a:avLst/>
@@ -3815,15 +3865,15 @@
           <a:p>
             <a:pPr algn="ctr"/>
             <a:r>
-              <a:rPr lang="en-US" sz="1200" dirty="0" smtClean="0">
-                <a:latin typeface="Arial" pitchFamily="34" charset="0"/>
-                <a:cs typeface="Arial" pitchFamily="34" charset="0"/>
+              <a:rPr lang="en-US" sz="1000" dirty="0" smtClean="0">
+                <a:latin typeface="Times New Roman" pitchFamily="18" charset="0"/>
+                <a:cs typeface="Times New Roman" pitchFamily="18" charset="0"/>
               </a:rPr>
               <a:t>Drug</a:t>
             </a:r>
-            <a:endParaRPr lang="en-US" sz="1200" dirty="0">
-              <a:latin typeface="Arial" pitchFamily="34" charset="0"/>
-              <a:cs typeface="Arial" pitchFamily="34" charset="0"/>
+            <a:endParaRPr lang="en-US" sz="1000" dirty="0">
+              <a:latin typeface="Times New Roman" pitchFamily="18" charset="0"/>
+              <a:cs typeface="Times New Roman" pitchFamily="18" charset="0"/>
             </a:endParaRPr>
           </a:p>
         </p:txBody>
@@ -3836,8 +3886,8 @@
         </p:nvSpPr>
         <p:spPr>
           <a:xfrm>
-            <a:off x="3886200" y="222765"/>
-            <a:ext cx="1143000" cy="685801"/>
+            <a:off x="3038646" y="425402"/>
+            <a:ext cx="638004" cy="632970"/>
           </a:xfrm>
           <a:prstGeom prst="roundRect">
             <a:avLst/>
@@ -3863,9 +3913,9 @@
           <a:p>
             <a:pPr algn="ctr"/>
             <a:r>
-              <a:rPr lang="en-US" sz="1200" dirty="0" smtClean="0">
-                <a:latin typeface="Arial" pitchFamily="34" charset="0"/>
-                <a:cs typeface="Arial" pitchFamily="34" charset="0"/>
+              <a:rPr lang="en-US" sz="1000" dirty="0" smtClean="0">
+                <a:latin typeface="Times New Roman" pitchFamily="18" charset="0"/>
+                <a:cs typeface="Times New Roman" pitchFamily="18" charset="0"/>
               </a:rPr>
               <a:t>Protein</a:t>
             </a:r>
@@ -3880,8 +3930,8 @@
         </p:nvSpPr>
         <p:spPr>
           <a:xfrm>
-            <a:off x="5791200" y="229174"/>
-            <a:ext cx="1676400" cy="679392"/>
+            <a:off x="4248150" y="425402"/>
+            <a:ext cx="1371600" cy="632970"/>
           </a:xfrm>
           <a:prstGeom prst="roundRect">
             <a:avLst/>
@@ -3907,9 +3957,9 @@
           <a:p>
             <a:pPr algn="ctr"/>
             <a:r>
-              <a:rPr lang="en-US" sz="1200" b="1" dirty="0" smtClean="0">
-                <a:latin typeface="Arial" pitchFamily="34" charset="0"/>
-                <a:cs typeface="Arial" pitchFamily="34" charset="0"/>
+              <a:rPr lang="en-US" sz="1000" b="1" dirty="0" smtClean="0">
+                <a:latin typeface="Times New Roman" pitchFamily="18" charset="0"/>
+                <a:cs typeface="Times New Roman" pitchFamily="18" charset="0"/>
               </a:rPr>
               <a:t>GO_0030194</a:t>
             </a:r>
@@ -3917,15 +3967,15 @@
           <a:p>
             <a:pPr algn="ctr"/>
             <a:r>
-              <a:rPr lang="en-US" sz="1200" dirty="0" smtClean="0">
-                <a:latin typeface="Arial" pitchFamily="34" charset="0"/>
-                <a:cs typeface="Arial" pitchFamily="34" charset="0"/>
+              <a:rPr lang="en-US" sz="1000" dirty="0" smtClean="0">
+                <a:latin typeface="Times New Roman" pitchFamily="18" charset="0"/>
+                <a:cs typeface="Times New Roman" pitchFamily="18" charset="0"/>
               </a:rPr>
               <a:t>positive regulation of blood coagulation</a:t>
             </a:r>
-            <a:endParaRPr lang="en-US" sz="1200" dirty="0">
-              <a:latin typeface="Arial" pitchFamily="34" charset="0"/>
-              <a:cs typeface="Arial" pitchFamily="34" charset="0"/>
+            <a:endParaRPr lang="en-US" sz="1000" dirty="0">
+              <a:latin typeface="Times New Roman" pitchFamily="18" charset="0"/>
+              <a:cs typeface="Times New Roman" pitchFamily="18" charset="0"/>
             </a:endParaRPr>
           </a:p>
         </p:txBody>
@@ -3938,8 +3988,8 @@
         </p:nvCxnSpPr>
         <p:spPr>
           <a:xfrm>
-            <a:off x="3200400" y="559832"/>
-            <a:ext cx="609600" cy="0"/>
+            <a:off x="2533650" y="721895"/>
+            <a:ext cx="457200" cy="0"/>
           </a:xfrm>
           <a:prstGeom prst="straightConnector1">
             <a:avLst/>
@@ -3971,8 +4021,8 @@
         </p:nvCxnSpPr>
         <p:spPr>
           <a:xfrm>
-            <a:off x="5105400" y="559832"/>
-            <a:ext cx="609600" cy="0"/>
+            <a:off x="3733800" y="736599"/>
+            <a:ext cx="457200" cy="0"/>
           </a:xfrm>
           <a:prstGeom prst="straightConnector1">
             <a:avLst/>
@@ -4004,8 +4054,8 @@
         </p:nvSpPr>
         <p:spPr>
           <a:xfrm>
-            <a:off x="3048000" y="189012"/>
-            <a:ext cx="838200" cy="338554"/>
+            <a:off x="2438400" y="381112"/>
+            <a:ext cx="628650" cy="338554"/>
           </a:xfrm>
           <a:prstGeom prst="rect">
             <a:avLst/>
@@ -4021,14 +4071,14 @@
             <a:pPr algn="ctr"/>
             <a:r>
               <a:rPr lang="en-US" sz="800" dirty="0" smtClean="0">
-                <a:latin typeface="Arial" pitchFamily="34" charset="0"/>
-                <a:cs typeface="Arial" pitchFamily="34" charset="0"/>
+                <a:latin typeface="Times New Roman" pitchFamily="18" charset="0"/>
+                <a:cs typeface="Times New Roman" pitchFamily="18" charset="0"/>
               </a:rPr>
               <a:t>negatively-perturbs</a:t>
             </a:r>
             <a:endParaRPr lang="en-US" sz="800" dirty="0">
-              <a:latin typeface="Arial" pitchFamily="34" charset="0"/>
-              <a:cs typeface="Arial" pitchFamily="34" charset="0"/>
+              <a:latin typeface="Times New Roman" pitchFamily="18" charset="0"/>
+              <a:cs typeface="Times New Roman" pitchFamily="18" charset="0"/>
             </a:endParaRPr>
           </a:p>
         </p:txBody>
@@ -4041,8 +4091,8 @@
         </p:nvSpPr>
         <p:spPr>
           <a:xfrm>
-            <a:off x="5029200" y="235922"/>
-            <a:ext cx="838200" cy="215444"/>
+            <a:off x="3619500" y="425402"/>
+            <a:ext cx="628650" cy="338554"/>
           </a:xfrm>
           <a:prstGeom prst="rect">
             <a:avLst/>
@@ -4058,14 +4108,14 @@
             <a:pPr algn="ctr"/>
             <a:r>
               <a:rPr lang="en-US" sz="800" dirty="0" smtClean="0">
-                <a:latin typeface="Arial" pitchFamily="34" charset="0"/>
-                <a:cs typeface="Arial" pitchFamily="34" charset="0"/>
+                <a:latin typeface="Times New Roman" pitchFamily="18" charset="0"/>
+                <a:cs typeface="Times New Roman" pitchFamily="18" charset="0"/>
               </a:rPr>
               <a:t>involved-in</a:t>
             </a:r>
             <a:endParaRPr lang="en-US" sz="800" dirty="0">
-              <a:latin typeface="Arial" pitchFamily="34" charset="0"/>
-              <a:cs typeface="Arial" pitchFamily="34" charset="0"/>
+              <a:latin typeface="Times New Roman" pitchFamily="18" charset="0"/>
+              <a:cs typeface="Times New Roman" pitchFamily="18" charset="0"/>
             </a:endParaRPr>
           </a:p>
         </p:txBody>
@@ -4078,8 +4128,8 @@
         </p:nvCxnSpPr>
         <p:spPr>
           <a:xfrm>
-            <a:off x="76200" y="1143000"/>
-            <a:ext cx="8839200" cy="0"/>
+            <a:off x="57150" y="1219200"/>
+            <a:ext cx="6629400" cy="0"/>
           </a:xfrm>
           <a:prstGeom prst="line">
             <a:avLst/>
@@ -4103,13 +4153,16 @@
       <p:cxnSp>
         <p:nvCxnSpPr>
           <p:cNvPr id="48" name="Straight Arrow Connector 47"/>
-          <p:cNvCxnSpPr/>
+          <p:cNvCxnSpPr>
+            <a:stCxn id="26" idx="1"/>
+            <a:endCxn id="4" idx="2"/>
+          </p:cNvCxnSpPr>
           <p:nvPr/>
         </p:nvCxnSpPr>
         <p:spPr>
           <a:xfrm flipH="1" flipV="1">
-            <a:off x="800100" y="1027332"/>
-            <a:ext cx="1257300" cy="589745"/>
+            <a:off x="711215" y="1058220"/>
+            <a:ext cx="812786" cy="710764"/>
           </a:xfrm>
           <a:prstGeom prst="straightConnector1">
             <a:avLst/>
@@ -4142,8 +4195,8 @@
         </p:nvSpPr>
         <p:spPr>
           <a:xfrm>
-            <a:off x="76200" y="1295400"/>
-            <a:ext cx="1607586" cy="830997"/>
+            <a:off x="76200" y="1347093"/>
+            <a:ext cx="1271588" cy="1015663"/>
           </a:xfrm>
           <a:prstGeom prst="rect">
             <a:avLst/>
@@ -4158,22 +4211,29 @@
           <a:p>
             <a:pPr algn="ctr"/>
             <a:r>
-              <a:rPr lang="en-US" sz="1200" b="1" dirty="0" smtClean="0">
-                <a:latin typeface="Arial" pitchFamily="34" charset="0"/>
-                <a:cs typeface="Arial" pitchFamily="34" charset="0"/>
+              <a:rPr lang="en-US" sz="1000" b="1" dirty="0" smtClean="0">
+                <a:latin typeface="Times New Roman" pitchFamily="18" charset="0"/>
+                <a:cs typeface="Times New Roman" pitchFamily="18" charset="0"/>
               </a:rPr>
-              <a:t>Reasoner</a:t>
-            </a:r>
-            <a:r>
-              <a:rPr lang="en-US" sz="1200" dirty="0" smtClean="0">
-                <a:latin typeface="Arial" pitchFamily="34" charset="0"/>
-                <a:cs typeface="Arial" pitchFamily="34" charset="0"/>
+              <a:t>(D) Reasoner</a:t>
+            </a:r>
+            <a:r>
+              <a:rPr lang="en-US" sz="1000" dirty="0" smtClean="0">
+                <a:latin typeface="Times New Roman" pitchFamily="18" charset="0"/>
+                <a:cs typeface="Times New Roman" pitchFamily="18" charset="0"/>
               </a:rPr>
-              <a:t> automatically assigns compounds into category</a:t>
-            </a:r>
-            <a:endParaRPr lang="en-US" sz="1200" dirty="0">
-              <a:latin typeface="Arial" pitchFamily="34" charset="0"/>
-              <a:cs typeface="Arial" pitchFamily="34" charset="0"/>
+              <a:t> automatically assigns </a:t>
+            </a:r>
+            <a:r>
+              <a:rPr lang="en-US" sz="1000" dirty="0" smtClean="0">
+                <a:latin typeface="Times New Roman" pitchFamily="18" charset="0"/>
+                <a:cs typeface="Times New Roman" pitchFamily="18" charset="0"/>
+              </a:rPr>
+              <a:t>drugs into category if the equivalence is satisfied</a:t>
+            </a:r>
+            <a:endParaRPr lang="en-US" sz="1000" dirty="0">
+              <a:latin typeface="Times New Roman" pitchFamily="18" charset="0"/>
+              <a:cs typeface="Times New Roman" pitchFamily="18" charset="0"/>
             </a:endParaRPr>
           </a:p>
         </p:txBody>
@@ -4186,8 +4246,8 @@
         </p:nvSpPr>
         <p:spPr>
           <a:xfrm>
-            <a:off x="2895600" y="2126397"/>
-            <a:ext cx="990600" cy="276999"/>
+            <a:off x="1889957" y="2074756"/>
+            <a:ext cx="742950" cy="246221"/>
           </a:xfrm>
           <a:prstGeom prst="rect">
             <a:avLst/>
@@ -4201,15 +4261,15 @@
           <a:lstStyle/>
           <a:p>
             <a:r>
-              <a:rPr lang="en-US" sz="1200" dirty="0" err="1" smtClean="0">
-                <a:latin typeface="Arial" pitchFamily="34" charset="0"/>
-                <a:cs typeface="Arial" pitchFamily="34" charset="0"/>
+              <a:rPr lang="en-US" sz="1000" dirty="0" err="1" smtClean="0">
+                <a:latin typeface="Times New Roman" pitchFamily="18" charset="0"/>
+                <a:cs typeface="Times New Roman" pitchFamily="18" charset="0"/>
               </a:rPr>
               <a:t>DrugBank</a:t>
             </a:r>
-            <a:endParaRPr lang="en-US" sz="1200" dirty="0">
-              <a:latin typeface="Arial" pitchFamily="34" charset="0"/>
-              <a:cs typeface="Arial" pitchFamily="34" charset="0"/>
+            <a:endParaRPr lang="en-US" sz="1000" dirty="0">
+              <a:latin typeface="Times New Roman" pitchFamily="18" charset="0"/>
+              <a:cs typeface="Times New Roman" pitchFamily="18" charset="0"/>
             </a:endParaRPr>
           </a:p>
         </p:txBody>
@@ -4222,8 +4282,8 @@
         </p:nvSpPr>
         <p:spPr>
           <a:xfrm>
-            <a:off x="4114800" y="2126397"/>
-            <a:ext cx="841049" cy="276999"/>
+            <a:off x="3087124" y="2094881"/>
+            <a:ext cx="630786" cy="246221"/>
           </a:xfrm>
           <a:prstGeom prst="rect">
             <a:avLst/>
@@ -4237,21 +4297,21 @@
           <a:lstStyle/>
           <a:p>
             <a:r>
-              <a:rPr lang="en-US" sz="1200" dirty="0" err="1" smtClean="0">
+              <a:rPr lang="en-US" sz="1000" dirty="0" err="1" smtClean="0">
                 <a:solidFill>
                   <a:schemeClr val="bg1"/>
                 </a:solidFill>
-                <a:latin typeface="Arial" pitchFamily="34" charset="0"/>
-                <a:cs typeface="Arial" pitchFamily="34" charset="0"/>
+                <a:latin typeface="Times New Roman" pitchFamily="18" charset="0"/>
+                <a:cs typeface="Times New Roman" pitchFamily="18" charset="0"/>
               </a:rPr>
               <a:t>Uniprot</a:t>
             </a:r>
-            <a:endParaRPr lang="en-US" sz="1200" dirty="0">
+            <a:endParaRPr lang="en-US" sz="1000" dirty="0">
               <a:solidFill>
                 <a:schemeClr val="bg1"/>
               </a:solidFill>
-              <a:latin typeface="Arial" pitchFamily="34" charset="0"/>
-              <a:cs typeface="Arial" pitchFamily="34" charset="0"/>
+              <a:latin typeface="Times New Roman" pitchFamily="18" charset="0"/>
+              <a:cs typeface="Times New Roman" pitchFamily="18" charset="0"/>
             </a:endParaRPr>
           </a:p>
         </p:txBody>
@@ -4264,8 +4324,8 @@
         </p:nvSpPr>
         <p:spPr>
           <a:xfrm>
-            <a:off x="5181600" y="2121193"/>
-            <a:ext cx="1346674" cy="276999"/>
+            <a:off x="4114800" y="2147008"/>
+            <a:ext cx="1066800" cy="246221"/>
           </a:xfrm>
           <a:prstGeom prst="rect">
             <a:avLst/>
@@ -4279,15 +4339,278 @@
           <a:lstStyle/>
           <a:p>
             <a:r>
-              <a:rPr lang="en-US" sz="1200" dirty="0" smtClean="0">
-                <a:latin typeface="Arial" pitchFamily="34" charset="0"/>
-                <a:cs typeface="Arial" pitchFamily="34" charset="0"/>
+              <a:rPr lang="en-US" sz="1000" dirty="0" smtClean="0">
+                <a:latin typeface="Times New Roman" pitchFamily="18" charset="0"/>
+                <a:cs typeface="Times New Roman" pitchFamily="18" charset="0"/>
               </a:rPr>
               <a:t>GO Annotations</a:t>
             </a:r>
-            <a:endParaRPr lang="en-US" sz="1200" dirty="0">
-              <a:latin typeface="Arial" pitchFamily="34" charset="0"/>
-              <a:cs typeface="Arial" pitchFamily="34" charset="0"/>
+            <a:endParaRPr lang="en-US" sz="1000" dirty="0">
+              <a:latin typeface="Times New Roman" pitchFamily="18" charset="0"/>
+              <a:cs typeface="Times New Roman" pitchFamily="18" charset="0"/>
+            </a:endParaRPr>
+          </a:p>
+        </p:txBody>
+      </p:sp>
+      <p:sp>
+        <p:nvSpPr>
+          <p:cNvPr id="43" name="TextBox 42"/>
+          <p:cNvSpPr txBox="1"/>
+          <p:nvPr/>
+        </p:nvSpPr>
+        <p:spPr>
+          <a:xfrm>
+            <a:off x="1619249" y="110069"/>
+            <a:ext cx="1771651" cy="246221"/>
+          </a:xfrm>
+          <a:prstGeom prst="rect">
+            <a:avLst/>
+          </a:prstGeom>
+          <a:noFill/>
+        </p:spPr>
+        <p:txBody>
+          <a:bodyPr wrap="square" rtlCol="0">
+            <a:spAutoFit/>
+          </a:bodyPr>
+          <a:lstStyle/>
+          <a:p>
+            <a:pPr algn="ctr"/>
+            <a:r>
+              <a:rPr lang="en-US" sz="1000" b="1" dirty="0" smtClean="0">
+                <a:solidFill>
+                  <a:schemeClr val="bg1"/>
+                </a:solidFill>
+                <a:latin typeface="Times New Roman" pitchFamily="18" charset="0"/>
+                <a:cs typeface="Times New Roman" pitchFamily="18" charset="0"/>
+              </a:rPr>
+              <a:t>(B) Equivalent definition:</a:t>
+            </a:r>
+            <a:endParaRPr lang="en-US" sz="1000" b="1" dirty="0">
+              <a:solidFill>
+                <a:schemeClr val="bg1"/>
+              </a:solidFill>
+              <a:latin typeface="Times New Roman" pitchFamily="18" charset="0"/>
+              <a:cs typeface="Times New Roman" pitchFamily="18" charset="0"/>
+            </a:endParaRPr>
+          </a:p>
+        </p:txBody>
+      </p:sp>
+      <p:sp>
+        <p:nvSpPr>
+          <p:cNvPr id="44" name="TextBox 43"/>
+          <p:cNvSpPr txBox="1"/>
+          <p:nvPr/>
+        </p:nvSpPr>
+        <p:spPr>
+          <a:xfrm>
+            <a:off x="114300" y="76254"/>
+            <a:ext cx="1257300" cy="246221"/>
+          </a:xfrm>
+          <a:prstGeom prst="rect">
+            <a:avLst/>
+          </a:prstGeom>
+          <a:noFill/>
+        </p:spPr>
+        <p:txBody>
+          <a:bodyPr wrap="square" rtlCol="0">
+            <a:spAutoFit/>
+          </a:bodyPr>
+          <a:lstStyle/>
+          <a:p>
+            <a:pPr algn="ctr"/>
+            <a:r>
+              <a:rPr lang="en-US" sz="1000" b="1" dirty="0" smtClean="0">
+                <a:latin typeface="Times New Roman" pitchFamily="18" charset="0"/>
+                <a:cs typeface="Times New Roman" pitchFamily="18" charset="0"/>
+              </a:rPr>
+              <a:t>(A) New category:</a:t>
+            </a:r>
+            <a:endParaRPr lang="en-US" sz="1000" b="1" dirty="0">
+              <a:latin typeface="Times New Roman" pitchFamily="18" charset="0"/>
+              <a:cs typeface="Times New Roman" pitchFamily="18" charset="0"/>
+            </a:endParaRPr>
+          </a:p>
+        </p:txBody>
+      </p:sp>
+      <p:cxnSp>
+        <p:nvCxnSpPr>
+          <p:cNvPr id="45" name="Straight Arrow Connector 44"/>
+          <p:cNvCxnSpPr>
+            <a:stCxn id="27" idx="0"/>
+            <a:endCxn id="34" idx="2"/>
+          </p:cNvCxnSpPr>
+          <p:nvPr/>
+        </p:nvCxnSpPr>
+        <p:spPr>
+          <a:xfrm flipH="1" flipV="1">
+            <a:off x="3357648" y="1058372"/>
+            <a:ext cx="62897" cy="402707"/>
+          </a:xfrm>
+          <a:prstGeom prst="straightConnector1">
+            <a:avLst/>
+          </a:prstGeom>
+          <a:ln>
+            <a:tailEnd type="arrow"/>
+          </a:ln>
+        </p:spPr>
+        <p:style>
+          <a:lnRef idx="2">
+            <a:schemeClr val="dk1"/>
+          </a:lnRef>
+          <a:fillRef idx="0">
+            <a:schemeClr val="dk1"/>
+          </a:fillRef>
+          <a:effectRef idx="1">
+            <a:schemeClr val="dk1"/>
+          </a:effectRef>
+          <a:fontRef idx="minor">
+            <a:schemeClr val="tx1"/>
+          </a:fontRef>
+        </p:style>
+      </p:cxnSp>
+      <p:cxnSp>
+        <p:nvCxnSpPr>
+          <p:cNvPr id="46" name="Straight Arrow Connector 45"/>
+          <p:cNvCxnSpPr>
+            <a:stCxn id="26" idx="0"/>
+            <a:endCxn id="33" idx="2"/>
+          </p:cNvCxnSpPr>
+          <p:nvPr/>
+        </p:nvCxnSpPr>
+        <p:spPr>
+          <a:xfrm flipV="1">
+            <a:off x="2000251" y="1066800"/>
+            <a:ext cx="104774" cy="407866"/>
+          </a:xfrm>
+          <a:prstGeom prst="straightConnector1">
+            <a:avLst/>
+          </a:prstGeom>
+          <a:ln>
+            <a:tailEnd type="arrow"/>
+          </a:ln>
+        </p:spPr>
+        <p:style>
+          <a:lnRef idx="2">
+            <a:schemeClr val="dk1"/>
+          </a:lnRef>
+          <a:fillRef idx="0">
+            <a:schemeClr val="dk1"/>
+          </a:fillRef>
+          <a:effectRef idx="1">
+            <a:schemeClr val="dk1"/>
+          </a:effectRef>
+          <a:fontRef idx="minor">
+            <a:schemeClr val="tx1"/>
+          </a:fontRef>
+        </p:style>
+      </p:cxnSp>
+      <p:sp>
+        <p:nvSpPr>
+          <p:cNvPr id="47" name="TextBox 46"/>
+          <p:cNvSpPr txBox="1"/>
+          <p:nvPr/>
+        </p:nvSpPr>
+        <p:spPr>
+          <a:xfrm>
+            <a:off x="1981200" y="1232356"/>
+            <a:ext cx="423862" cy="215444"/>
+          </a:xfrm>
+          <a:prstGeom prst="rect">
+            <a:avLst/>
+          </a:prstGeom>
+          <a:noFill/>
+        </p:spPr>
+        <p:txBody>
+          <a:bodyPr wrap="square" rtlCol="0">
+            <a:spAutoFit/>
+          </a:bodyPr>
+          <a:lstStyle/>
+          <a:p>
+            <a:pPr algn="ctr"/>
+            <a:r>
+              <a:rPr lang="en-US" sz="800" dirty="0" smtClean="0">
+                <a:latin typeface="Times New Roman" pitchFamily="18" charset="0"/>
+                <a:cs typeface="Times New Roman" pitchFamily="18" charset="0"/>
+              </a:rPr>
+              <a:t>is a</a:t>
+            </a:r>
+            <a:endParaRPr lang="en-US" sz="800" dirty="0">
+              <a:latin typeface="Times New Roman" pitchFamily="18" charset="0"/>
+              <a:cs typeface="Times New Roman" pitchFamily="18" charset="0"/>
+            </a:endParaRPr>
+          </a:p>
+        </p:txBody>
+      </p:sp>
+      <p:sp>
+        <p:nvSpPr>
+          <p:cNvPr id="51" name="TextBox 50"/>
+          <p:cNvSpPr txBox="1"/>
+          <p:nvPr/>
+        </p:nvSpPr>
+        <p:spPr>
+          <a:xfrm>
+            <a:off x="3309937" y="1198158"/>
+            <a:ext cx="423863" cy="215444"/>
+          </a:xfrm>
+          <a:prstGeom prst="rect">
+            <a:avLst/>
+          </a:prstGeom>
+          <a:noFill/>
+        </p:spPr>
+        <p:txBody>
+          <a:bodyPr wrap="square" rtlCol="0">
+            <a:spAutoFit/>
+          </a:bodyPr>
+          <a:lstStyle/>
+          <a:p>
+            <a:pPr algn="ctr"/>
+            <a:r>
+              <a:rPr lang="en-US" sz="800" dirty="0" smtClean="0">
+                <a:latin typeface="Times New Roman" pitchFamily="18" charset="0"/>
+                <a:cs typeface="Times New Roman" pitchFamily="18" charset="0"/>
+              </a:rPr>
+              <a:t>is a</a:t>
+            </a:r>
+            <a:endParaRPr lang="en-US" sz="800" dirty="0">
+              <a:latin typeface="Times New Roman" pitchFamily="18" charset="0"/>
+              <a:cs typeface="Times New Roman" pitchFamily="18" charset="0"/>
+            </a:endParaRPr>
+          </a:p>
+        </p:txBody>
+      </p:sp>
+      <p:sp>
+        <p:nvSpPr>
+          <p:cNvPr id="57" name="TextBox 56"/>
+          <p:cNvSpPr txBox="1"/>
+          <p:nvPr/>
+        </p:nvSpPr>
+        <p:spPr>
+          <a:xfrm>
+            <a:off x="1066800" y="2420779"/>
+            <a:ext cx="2228850" cy="246221"/>
+          </a:xfrm>
+          <a:prstGeom prst="rect">
+            <a:avLst/>
+          </a:prstGeom>
+          <a:noFill/>
+        </p:spPr>
+        <p:txBody>
+          <a:bodyPr wrap="square" rtlCol="0">
+            <a:spAutoFit/>
+          </a:bodyPr>
+          <a:lstStyle/>
+          <a:p>
+            <a:pPr algn="ctr"/>
+            <a:r>
+              <a:rPr lang="en-US" sz="1000" b="1" dirty="0" smtClean="0">
+                <a:latin typeface="Times New Roman" pitchFamily="18" charset="0"/>
+                <a:cs typeface="Times New Roman" pitchFamily="18" charset="0"/>
+              </a:rPr>
+              <a:t>(C) Incorporation of databases</a:t>
+            </a:r>
+            <a:endParaRPr lang="en-US" sz="1000" b="1" dirty="0">
+              <a:latin typeface="Times New Roman" pitchFamily="18" charset="0"/>
+              <a:cs typeface="Times New Roman" pitchFamily="18" charset="0"/>
             </a:endParaRPr>
           </a:p>
         </p:txBody>
@@ -4302,6 +4625,13 @@
   <p:clrMapOvr>
     <a:masterClrMapping/>
   </p:clrMapOvr>
+  <p:timing>
+    <p:tnLst>
+      <p:par>
+        <p:cTn id="1" dur="indefinite" restart="never" nodeType="tmRoot"/>
+      </p:par>
+    </p:tnLst>
+  </p:timing>
 </p:sld>
 </file>
 
